--- a/Project_1_Final_BG.pptx
+++ b/Project_1_Final_BG.pptx
@@ -147,85 +147,6 @@
 
 <file path=ppt/changesInfos/changesInfo1.xml><?xml version="1.0" encoding="utf-8"?>
 <pc:chgInfo xmlns:a="http://schemas.openxmlformats.org/drawingml/2006/main" xmlns:r="http://schemas.openxmlformats.org/officeDocument/2006/relationships" xmlns:ac="http://schemas.microsoft.com/office/drawing/2013/main/command" xmlns:pc="http://schemas.microsoft.com/office/powerpoint/2013/main/command">
-  <pc:docChgLst>
-    <pc:chgData name="Gaither, Brian" userId="7d5b9329-c931-45bd-b586-744675e6c2bc" providerId="ADAL" clId="{04D3EF7B-CBC5-4D25-907D-EB828E8EB080}"/>
-    <pc:docChg chg="custSel modSld">
-      <pc:chgData name="Gaither, Brian" userId="7d5b9329-c931-45bd-b586-744675e6c2bc" providerId="ADAL" clId="{04D3EF7B-CBC5-4D25-907D-EB828E8EB080}" dt="2020-03-03T03:02:38.360" v="386" actId="12"/>
-      <pc:docMkLst>
-        <pc:docMk/>
-      </pc:docMkLst>
-      <pc:sldChg chg="modNotesTx">
-        <pc:chgData name="Gaither, Brian" userId="7d5b9329-c931-45bd-b586-744675e6c2bc" providerId="ADAL" clId="{04D3EF7B-CBC5-4D25-907D-EB828E8EB080}" dt="2020-03-03T02:45:56.279" v="9" actId="20577"/>
-        <pc:sldMkLst>
-          <pc:docMk/>
-          <pc:sldMk cId="0" sldId="256"/>
-        </pc:sldMkLst>
-      </pc:sldChg>
-      <pc:sldChg chg="modNotesTx">
-        <pc:chgData name="Gaither, Brian" userId="7d5b9329-c931-45bd-b586-744675e6c2bc" providerId="ADAL" clId="{04D3EF7B-CBC5-4D25-907D-EB828E8EB080}" dt="2020-03-03T02:47:43.930" v="20" actId="12"/>
-        <pc:sldMkLst>
-          <pc:docMk/>
-          <pc:sldMk cId="0" sldId="257"/>
-        </pc:sldMkLst>
-      </pc:sldChg>
-      <pc:sldChg chg="modNotesTx">
-        <pc:chgData name="Gaither, Brian" userId="7d5b9329-c931-45bd-b586-744675e6c2bc" providerId="ADAL" clId="{04D3EF7B-CBC5-4D25-907D-EB828E8EB080}" dt="2020-03-03T03:01:35.453" v="325" actId="12"/>
-        <pc:sldMkLst>
-          <pc:docMk/>
-          <pc:sldMk cId="0" sldId="260"/>
-        </pc:sldMkLst>
-      </pc:sldChg>
-      <pc:sldChg chg="modNotesTx">
-        <pc:chgData name="Gaither, Brian" userId="7d5b9329-c931-45bd-b586-744675e6c2bc" providerId="ADAL" clId="{04D3EF7B-CBC5-4D25-907D-EB828E8EB080}" dt="2020-03-03T02:49:52.095" v="62" actId="20577"/>
-        <pc:sldMkLst>
-          <pc:docMk/>
-          <pc:sldMk cId="0" sldId="261"/>
-        </pc:sldMkLst>
-      </pc:sldChg>
-      <pc:sldChg chg="modNotesTx">
-        <pc:chgData name="Gaither, Brian" userId="7d5b9329-c931-45bd-b586-744675e6c2bc" providerId="ADAL" clId="{04D3EF7B-CBC5-4D25-907D-EB828E8EB080}" dt="2020-03-03T03:02:38.360" v="386" actId="12"/>
-        <pc:sldMkLst>
-          <pc:docMk/>
-          <pc:sldMk cId="0" sldId="262"/>
-        </pc:sldMkLst>
-      </pc:sldChg>
-      <pc:sldChg chg="modNotesTx">
-        <pc:chgData name="Gaither, Brian" userId="7d5b9329-c931-45bd-b586-744675e6c2bc" providerId="ADAL" clId="{04D3EF7B-CBC5-4D25-907D-EB828E8EB080}" dt="2020-03-03T02:51:33.477" v="63" actId="6549"/>
-        <pc:sldMkLst>
-          <pc:docMk/>
-          <pc:sldMk cId="0" sldId="266"/>
-        </pc:sldMkLst>
-      </pc:sldChg>
-      <pc:sldChg chg="modNotesTx">
-        <pc:chgData name="Gaither, Brian" userId="7d5b9329-c931-45bd-b586-744675e6c2bc" providerId="ADAL" clId="{04D3EF7B-CBC5-4D25-907D-EB828E8EB080}" dt="2020-03-03T02:52:51.127" v="92" actId="20577"/>
-        <pc:sldMkLst>
-          <pc:docMk/>
-          <pc:sldMk cId="0" sldId="267"/>
-        </pc:sldMkLst>
-      </pc:sldChg>
-      <pc:sldChg chg="modNotesTx">
-        <pc:chgData name="Gaither, Brian" userId="7d5b9329-c931-45bd-b586-744675e6c2bc" providerId="ADAL" clId="{04D3EF7B-CBC5-4D25-907D-EB828E8EB080}" dt="2020-03-03T02:55:35.272" v="142" actId="20577"/>
-        <pc:sldMkLst>
-          <pc:docMk/>
-          <pc:sldMk cId="0" sldId="270"/>
-        </pc:sldMkLst>
-      </pc:sldChg>
-      <pc:sldChg chg="modNotesTx">
-        <pc:chgData name="Gaither, Brian" userId="7d5b9329-c931-45bd-b586-744675e6c2bc" providerId="ADAL" clId="{04D3EF7B-CBC5-4D25-907D-EB828E8EB080}" dt="2020-03-03T02:56:15.183" v="151" actId="20577"/>
-        <pc:sldMkLst>
-          <pc:docMk/>
-          <pc:sldMk cId="0" sldId="271"/>
-        </pc:sldMkLst>
-      </pc:sldChg>
-      <pc:sldChg chg="modNotesTx">
-        <pc:chgData name="Gaither, Brian" userId="7d5b9329-c931-45bd-b586-744675e6c2bc" providerId="ADAL" clId="{04D3EF7B-CBC5-4D25-907D-EB828E8EB080}" dt="2020-03-03T02:58:31.232" v="258" actId="20577"/>
-        <pc:sldMkLst>
-          <pc:docMk/>
-          <pc:sldMk cId="0" sldId="272"/>
-        </pc:sldMkLst>
-      </pc:sldChg>
-    </pc:docChg>
-  </pc:docChgLst>
   <pc:docChgLst>
     <pc:chgData name="Gaither, Brian" userId="7d5b9329-c931-45bd-b586-744675e6c2bc" providerId="ADAL" clId="{507D4655-4681-422B-BDF2-71E96AFD951F}"/>
     <pc:docChg chg="custSel addSld modSld">
@@ -689,6 +610,85 @@
       </pc:sldChg>
     </pc:docChg>
   </pc:docChgLst>
+  <pc:docChgLst>
+    <pc:chgData name="Gaither, Brian" userId="7d5b9329-c931-45bd-b586-744675e6c2bc" providerId="ADAL" clId="{04D3EF7B-CBC5-4D25-907D-EB828E8EB080}"/>
+    <pc:docChg chg="custSel modSld">
+      <pc:chgData name="Gaither, Brian" userId="7d5b9329-c931-45bd-b586-744675e6c2bc" providerId="ADAL" clId="{04D3EF7B-CBC5-4D25-907D-EB828E8EB080}" dt="2020-03-03T03:02:38.360" v="386" actId="12"/>
+      <pc:docMkLst>
+        <pc:docMk/>
+      </pc:docMkLst>
+      <pc:sldChg chg="modNotesTx">
+        <pc:chgData name="Gaither, Brian" userId="7d5b9329-c931-45bd-b586-744675e6c2bc" providerId="ADAL" clId="{04D3EF7B-CBC5-4D25-907D-EB828E8EB080}" dt="2020-03-03T02:45:56.279" v="9" actId="20577"/>
+        <pc:sldMkLst>
+          <pc:docMk/>
+          <pc:sldMk cId="0" sldId="256"/>
+        </pc:sldMkLst>
+      </pc:sldChg>
+      <pc:sldChg chg="modNotesTx">
+        <pc:chgData name="Gaither, Brian" userId="7d5b9329-c931-45bd-b586-744675e6c2bc" providerId="ADAL" clId="{04D3EF7B-CBC5-4D25-907D-EB828E8EB080}" dt="2020-03-03T02:47:43.930" v="20" actId="12"/>
+        <pc:sldMkLst>
+          <pc:docMk/>
+          <pc:sldMk cId="0" sldId="257"/>
+        </pc:sldMkLst>
+      </pc:sldChg>
+      <pc:sldChg chg="modNotesTx">
+        <pc:chgData name="Gaither, Brian" userId="7d5b9329-c931-45bd-b586-744675e6c2bc" providerId="ADAL" clId="{04D3EF7B-CBC5-4D25-907D-EB828E8EB080}" dt="2020-03-03T03:01:35.453" v="325" actId="12"/>
+        <pc:sldMkLst>
+          <pc:docMk/>
+          <pc:sldMk cId="0" sldId="260"/>
+        </pc:sldMkLst>
+      </pc:sldChg>
+      <pc:sldChg chg="modNotesTx">
+        <pc:chgData name="Gaither, Brian" userId="7d5b9329-c931-45bd-b586-744675e6c2bc" providerId="ADAL" clId="{04D3EF7B-CBC5-4D25-907D-EB828E8EB080}" dt="2020-03-03T02:49:52.095" v="62" actId="20577"/>
+        <pc:sldMkLst>
+          <pc:docMk/>
+          <pc:sldMk cId="0" sldId="261"/>
+        </pc:sldMkLst>
+      </pc:sldChg>
+      <pc:sldChg chg="modNotesTx">
+        <pc:chgData name="Gaither, Brian" userId="7d5b9329-c931-45bd-b586-744675e6c2bc" providerId="ADAL" clId="{04D3EF7B-CBC5-4D25-907D-EB828E8EB080}" dt="2020-03-03T03:02:38.360" v="386" actId="12"/>
+        <pc:sldMkLst>
+          <pc:docMk/>
+          <pc:sldMk cId="0" sldId="262"/>
+        </pc:sldMkLst>
+      </pc:sldChg>
+      <pc:sldChg chg="modNotesTx">
+        <pc:chgData name="Gaither, Brian" userId="7d5b9329-c931-45bd-b586-744675e6c2bc" providerId="ADAL" clId="{04D3EF7B-CBC5-4D25-907D-EB828E8EB080}" dt="2020-03-03T02:51:33.477" v="63" actId="6549"/>
+        <pc:sldMkLst>
+          <pc:docMk/>
+          <pc:sldMk cId="0" sldId="266"/>
+        </pc:sldMkLst>
+      </pc:sldChg>
+      <pc:sldChg chg="modNotesTx">
+        <pc:chgData name="Gaither, Brian" userId="7d5b9329-c931-45bd-b586-744675e6c2bc" providerId="ADAL" clId="{04D3EF7B-CBC5-4D25-907D-EB828E8EB080}" dt="2020-03-03T02:52:51.127" v="92" actId="20577"/>
+        <pc:sldMkLst>
+          <pc:docMk/>
+          <pc:sldMk cId="0" sldId="267"/>
+        </pc:sldMkLst>
+      </pc:sldChg>
+      <pc:sldChg chg="modNotesTx">
+        <pc:chgData name="Gaither, Brian" userId="7d5b9329-c931-45bd-b586-744675e6c2bc" providerId="ADAL" clId="{04D3EF7B-CBC5-4D25-907D-EB828E8EB080}" dt="2020-03-03T02:55:35.272" v="142" actId="20577"/>
+        <pc:sldMkLst>
+          <pc:docMk/>
+          <pc:sldMk cId="0" sldId="270"/>
+        </pc:sldMkLst>
+      </pc:sldChg>
+      <pc:sldChg chg="modNotesTx">
+        <pc:chgData name="Gaither, Brian" userId="7d5b9329-c931-45bd-b586-744675e6c2bc" providerId="ADAL" clId="{04D3EF7B-CBC5-4D25-907D-EB828E8EB080}" dt="2020-03-03T02:56:15.183" v="151" actId="20577"/>
+        <pc:sldMkLst>
+          <pc:docMk/>
+          <pc:sldMk cId="0" sldId="271"/>
+        </pc:sldMkLst>
+      </pc:sldChg>
+      <pc:sldChg chg="modNotesTx">
+        <pc:chgData name="Gaither, Brian" userId="7d5b9329-c931-45bd-b586-744675e6c2bc" providerId="ADAL" clId="{04D3EF7B-CBC5-4D25-907D-EB828E8EB080}" dt="2020-03-03T02:58:31.232" v="258" actId="20577"/>
+        <pc:sldMkLst>
+          <pc:docMk/>
+          <pc:sldMk cId="0" sldId="272"/>
+        </pc:sldMkLst>
+      </pc:sldChg>
+    </pc:docChg>
+  </pc:docChgLst>
 </pc:chgInfo>
 </file>
 
@@ -14487,6 +14487,51 @@
           </a:ln>
         </p:spPr>
       </p:pic>
+      <p:sp>
+        <p:nvSpPr>
+          <p:cNvPr id="2" name="TextBox 1">
+            <a:extLst>
+              <a:ext uri="{FF2B5EF4-FFF2-40B4-BE49-F238E27FC236}">
+                <a16:creationId xmlns:a16="http://schemas.microsoft.com/office/drawing/2014/main" id="{350FD04B-9DE7-40F7-A228-DA500931AEA1}"/>
+              </a:ext>
+            </a:extLst>
+          </p:cNvPr>
+          <p:cNvSpPr txBox="1"/>
+          <p:nvPr/>
+        </p:nvSpPr>
+        <p:spPr>
+          <a:xfrm>
+            <a:off x="446400" y="654756"/>
+            <a:ext cx="5262979" cy="369332"/>
+          </a:xfrm>
+          <a:prstGeom prst="rect">
+            <a:avLst/>
+          </a:prstGeom>
+          <a:noFill/>
+        </p:spPr>
+        <p:txBody>
+          <a:bodyPr wrap="none" rtlCol="0">
+            <a:spAutoFit/>
+          </a:bodyPr>
+          <a:lstStyle/>
+          <a:p>
+            <a:r>
+              <a:rPr lang="en-US" dirty="0"/>
+              <a:t>Link to Recording:  </a:t>
+            </a:r>
+            <a:r>
+              <a:rPr lang="en-US" dirty="0">
+                <a:hlinkClick r:id="rId4"/>
+              </a:rPr>
+              <a:t>https://youtu.be/8-YE9g4wqIo</a:t>
+            </a:r>
+            <a:r>
+              <a:rPr lang="en-US" dirty="0"/>
+              <a:t> </a:t>
+            </a:r>
+          </a:p>
+        </p:txBody>
+      </p:sp>
     </p:spTree>
   </p:cSld>
   <p:clrMapOvr>
@@ -23927,21 +23972,6 @@
 </file>
 
 <file path=customXml/item1.xml><?xml version="1.0" encoding="utf-8"?>
-<p:properties xmlns:p="http://schemas.microsoft.com/office/2006/metadata/properties" xmlns:xsi="http://www.w3.org/2001/XMLSchema-instance" xmlns:pc="http://schemas.microsoft.com/office/infopath/2007/PartnerControls">
-  <documentManagement/>
-</p:properties>
-</file>
-
-<file path=customXml/item2.xml><?xml version="1.0" encoding="utf-8"?>
-<?mso-contentType ?>
-<FormTemplates xmlns="http://schemas.microsoft.com/sharepoint/v3/contenttype/forms">
-  <Display>DocumentLibraryForm</Display>
-  <Edit>DocumentLibraryForm</Edit>
-  <New>DocumentLibraryForm</New>
-</FormTemplates>
-</file>
-
-<file path=customXml/item3.xml><?xml version="1.0" encoding="utf-8"?>
 <ct:contentTypeSchema xmlns:ct="http://schemas.microsoft.com/office/2006/metadata/contentType" xmlns:ma="http://schemas.microsoft.com/office/2006/metadata/properties/metaAttributes" ct:_="" ma:_="" ma:contentTypeName="Document" ma:contentTypeID="0x010100EC0D6059786DEB4D92BB0DCBEDD74B59" ma:contentTypeVersion="13" ma:contentTypeDescription="Create a new document." ma:contentTypeScope="" ma:versionID="1578388ba4b2bea07ca27aef2ce850c8">
   <xsd:schema xmlns:xsd="http://www.w3.org/2001/XMLSchema" xmlns:xs="http://www.w3.org/2001/XMLSchema" xmlns:p="http://schemas.microsoft.com/office/2006/metadata/properties" xmlns:ns3="98a9b0fb-76eb-46d1-9e3e-4732a8132837" xmlns:ns4="199db097-8cb3-4874-8832-cd72cc62c555" targetNamespace="http://schemas.microsoft.com/office/2006/metadata/properties" ma:root="true" ma:fieldsID="21802c515500f5813f06ab44559c7f2a" ns3:_="" ns4:_="">
     <xsd:import namespace="98a9b0fb-76eb-46d1-9e3e-4732a8132837"/>
@@ -24164,32 +24194,22 @@
 </ct:contentTypeSchema>
 </file>
 
-<file path=customXml/itemProps1.xml><?xml version="1.0" encoding="utf-8"?>
-<ds:datastoreItem xmlns:ds="http://schemas.openxmlformats.org/officeDocument/2006/customXml" ds:itemID="{AD1B386A-04D7-49F1-90C8-7C9DE114E210}">
-  <ds:schemaRefs>
-    <ds:schemaRef ds:uri="http://schemas.microsoft.com/office/2006/documentManagement/types"/>
-    <ds:schemaRef ds:uri="http://schemas.microsoft.com/office/infopath/2007/PartnerControls"/>
-    <ds:schemaRef ds:uri="http://www.w3.org/XML/1998/namespace"/>
-    <ds:schemaRef ds:uri="http://purl.org/dc/dcmitype/"/>
-    <ds:schemaRef ds:uri="http://purl.org/dc/elements/1.1/"/>
-    <ds:schemaRef ds:uri="http://schemas.openxmlformats.org/package/2006/metadata/core-properties"/>
-    <ds:schemaRef ds:uri="199db097-8cb3-4874-8832-cd72cc62c555"/>
-    <ds:schemaRef ds:uri="98a9b0fb-76eb-46d1-9e3e-4732a8132837"/>
-    <ds:schemaRef ds:uri="http://schemas.microsoft.com/office/2006/metadata/properties"/>
-    <ds:schemaRef ds:uri="http://purl.org/dc/terms/"/>
-  </ds:schemaRefs>
-</ds:datastoreItem>
+<file path=customXml/item2.xml><?xml version="1.0" encoding="utf-8"?>
+<?mso-contentType ?>
+<FormTemplates xmlns="http://schemas.microsoft.com/sharepoint/v3/contenttype/forms">
+  <Display>DocumentLibraryForm</Display>
+  <Edit>DocumentLibraryForm</Edit>
+  <New>DocumentLibraryForm</New>
+</FormTemplates>
 </file>
 
-<file path=customXml/itemProps2.xml><?xml version="1.0" encoding="utf-8"?>
-<ds:datastoreItem xmlns:ds="http://schemas.openxmlformats.org/officeDocument/2006/customXml" ds:itemID="{8A234252-684D-4EDB-9D19-2B70AFF5B4B7}">
-  <ds:schemaRefs>
-    <ds:schemaRef ds:uri="http://schemas.microsoft.com/sharepoint/v3/contenttype/forms"/>
-  </ds:schemaRefs>
-</ds:datastoreItem>
+<file path=customXml/item3.xml><?xml version="1.0" encoding="utf-8"?>
+<p:properties xmlns:p="http://schemas.microsoft.com/office/2006/metadata/properties" xmlns:xsi="http://www.w3.org/2001/XMLSchema-instance" xmlns:pc="http://schemas.microsoft.com/office/infopath/2007/PartnerControls">
+  <documentManagement/>
+</p:properties>
 </file>
 
-<file path=customXml/itemProps3.xml><?xml version="1.0" encoding="utf-8"?>
+<file path=customXml/itemProps1.xml><?xml version="1.0" encoding="utf-8"?>
 <ds:datastoreItem xmlns:ds="http://schemas.openxmlformats.org/officeDocument/2006/customXml" ds:itemID="{34F9DB1C-AB75-447C-A5EC-99A2A4553518}">
   <ds:schemaRefs>
     <ds:schemaRef ds:uri="http://schemas.microsoft.com/office/2006/metadata/contentType"/>
@@ -24206,4 +24226,29 @@
     <ds:schemaRef ds:uri="http://schemas.microsoft.com/internal/obd"/>
   </ds:schemaRefs>
 </ds:datastoreItem>
+</file>
+
+<file path=customXml/itemProps2.xml><?xml version="1.0" encoding="utf-8"?>
+<ds:datastoreItem xmlns:ds="http://schemas.openxmlformats.org/officeDocument/2006/customXml" ds:itemID="{8A234252-684D-4EDB-9D19-2B70AFF5B4B7}">
+  <ds:schemaRefs>
+    <ds:schemaRef ds:uri="http://schemas.microsoft.com/sharepoint/v3/contenttype/forms"/>
+  </ds:schemaRefs>
+</ds:datastoreItem>
+</file>
+
+<file path=customXml/itemProps3.xml><?xml version="1.0" encoding="utf-8"?>
+<ds:datastoreItem xmlns:ds="http://schemas.openxmlformats.org/officeDocument/2006/customXml" ds:itemID="{AD1B386A-04D7-49F1-90C8-7C9DE114E210}">
+  <ds:schemaRefs>
+    <ds:schemaRef ds:uri="http://schemas.microsoft.com/office/2006/documentManagement/types"/>
+    <ds:schemaRef ds:uri="http://schemas.microsoft.com/office/infopath/2007/PartnerControls"/>
+    <ds:schemaRef ds:uri="http://www.w3.org/XML/1998/namespace"/>
+    <ds:schemaRef ds:uri="http://purl.org/dc/dcmitype/"/>
+    <ds:schemaRef ds:uri="http://purl.org/dc/elements/1.1/"/>
+    <ds:schemaRef ds:uri="http://schemas.openxmlformats.org/package/2006/metadata/core-properties"/>
+    <ds:schemaRef ds:uri="199db097-8cb3-4874-8832-cd72cc62c555"/>
+    <ds:schemaRef ds:uri="98a9b0fb-76eb-46d1-9e3e-4732a8132837"/>
+    <ds:schemaRef ds:uri="http://schemas.microsoft.com/office/2006/metadata/properties"/>
+    <ds:schemaRef ds:uri="http://purl.org/dc/terms/"/>
+  </ds:schemaRefs>
+</ds:datastoreItem>
 </file>